--- a/plots/Summary_project.pptx
+++ b/plots/Summary_project.pptx
@@ -5,7 +5,7 @@
     <p:sldMasterId id="2147483660" r:id="rId1"/>
   </p:sldMasterIdLst>
   <p:notesMasterIdLst>
-    <p:notesMasterId r:id="rId8"/>
+    <p:notesMasterId r:id="rId12"/>
   </p:notesMasterIdLst>
   <p:sldIdLst>
     <p:sldId id="257" r:id="rId2"/>
@@ -13,7 +13,11 @@
     <p:sldId id="258" r:id="rId4"/>
     <p:sldId id="259" r:id="rId5"/>
     <p:sldId id="260" r:id="rId6"/>
-    <p:sldId id="261" r:id="rId7"/>
+    <p:sldId id="262" r:id="rId7"/>
+    <p:sldId id="263" r:id="rId8"/>
+    <p:sldId id="264" r:id="rId9"/>
+    <p:sldId id="265" r:id="rId10"/>
+    <p:sldId id="261" r:id="rId11"/>
   </p:sldIdLst>
   <p:sldSz cx="6858000" cy="9906000" type="A4"/>
   <p:notesSz cx="6858000" cy="9144000"/>
@@ -112,6 +116,11 @@
       </a:defRPr>
     </a:lvl9pPr>
   </p:defaultTextStyle>
+  <p:extLst>
+    <p:ext uri="{EFAFB233-063F-42B5-8137-9DF3F51BA10A}">
+      <p15:sldGuideLst xmlns:p15="http://schemas.microsoft.com/office/powerpoint/2012/main"/>
+    </p:ext>
+  </p:extLst>
 </p:presentation>
 </file>
 
@@ -197,7 +206,7 @@
           <a:p>
             <a:fld id="{182A26AC-4CFD-4C4B-BCCD-B83F22EC439A}" type="datetimeFigureOut">
               <a:rPr lang="en-GB" smtClean="0"/>
-              <a:t>28/03/2023</a:t>
+              <a:t>20/04/2023</a:t>
             </a:fld>
             <a:endParaRPr lang="en-GB"/>
           </a:p>
@@ -913,6 +922,146 @@
 </p:notes>
 </file>
 
+<file path=ppt/notesSlides/notesSlide6.xml><?xml version="1.0" encoding="utf-8"?>
+<p:notes xmlns:a="http://schemas.openxmlformats.org/drawingml/2006/main" xmlns:r="http://schemas.openxmlformats.org/officeDocument/2006/relationships" xmlns:p="http://schemas.openxmlformats.org/presentationml/2006/main">
+  <p:cSld>
+    <p:spTree>
+      <p:nvGrpSpPr>
+        <p:cNvPr id="1" name=""/>
+        <p:cNvGrpSpPr/>
+        <p:nvPr/>
+      </p:nvGrpSpPr>
+      <p:grpSpPr>
+        <a:xfrm>
+          <a:off x="0" y="0"/>
+          <a:ext cx="0" cy="0"/>
+          <a:chOff x="0" y="0"/>
+          <a:chExt cx="0" cy="0"/>
+        </a:xfrm>
+      </p:grpSpPr>
+      <p:sp>
+        <p:nvSpPr>
+          <p:cNvPr id="2" name="Slide Image Placeholder 1"/>
+          <p:cNvSpPr>
+            <a:spLocks noGrp="1" noRot="1" noChangeAspect="1"/>
+          </p:cNvSpPr>
+          <p:nvPr>
+            <p:ph type="sldImg"/>
+          </p:nvPr>
+        </p:nvSpPr>
+        <p:spPr/>
+      </p:sp>
+      <p:sp>
+        <p:nvSpPr>
+          <p:cNvPr id="3" name="Notes Placeholder 2"/>
+          <p:cNvSpPr>
+            <a:spLocks noGrp="1"/>
+          </p:cNvSpPr>
+          <p:nvPr>
+            <p:ph type="body" idx="1"/>
+          </p:nvPr>
+        </p:nvSpPr>
+        <p:spPr/>
+        <p:txBody>
+          <a:bodyPr/>
+          <a:lstStyle/>
+          <a:p>
+            <a:pPr marL="0" marR="0" lvl="0" indent="0" algn="l" defTabSz="914400" rtl="0" eaLnBrk="1" fontAlgn="auto" latinLnBrk="0" hangingPunct="1">
+              <a:lnSpc>
+                <a:spcPct val="100000"/>
+              </a:lnSpc>
+              <a:spcBef>
+                <a:spcPts val="0"/>
+              </a:spcBef>
+              <a:spcAft>
+                <a:spcPts val="0"/>
+              </a:spcAft>
+              <a:buClrTx/>
+              <a:buSzTx/>
+              <a:buFontTx/>
+              <a:buNone/>
+              <a:tabLst/>
+              <a:defRPr/>
+            </a:pPr>
+            <a:r>
+              <a:rPr lang="en-US" dirty="0"/>
+              <a:t>Although Schizophrenia is clearly the dominant disease contributor in low threshold gene selection, several diseases maintain a much stronger representation in the core network with high risk. This includes in particular AD, PD and partial epilepsy. When in the 0.7 threshold, we noted that one gene that was maintained actually had a risk significant for Schizophrenia, Bipolar disorder and major depressive disorder - </a:t>
+            </a:r>
+            <a:r>
+              <a:rPr lang="en-GB" b="0" dirty="0">
+                <a:solidFill>
+                  <a:srgbClr val="CE9178"/>
+                </a:solidFill>
+                <a:effectLst/>
+                <a:latin typeface="Consolas" panose="020B0609020204030204" pitchFamily="49" charset="0"/>
+              </a:rPr>
+              <a:t>VRK2. Interestingly, this target also has a relatively high risk (&gt;0.5) for another 4 psychiatric disorders. Having both roles in development and maintenance of the mature neuronal network, this could be a candidate cross-disease target. </a:t>
+            </a:r>
+          </a:p>
+          <a:p>
+            <a:pPr marL="0" marR="0" lvl="0" indent="0" algn="l" defTabSz="914400" rtl="0" eaLnBrk="1" fontAlgn="auto" latinLnBrk="0" hangingPunct="1">
+              <a:lnSpc>
+                <a:spcPct val="100000"/>
+              </a:lnSpc>
+              <a:spcBef>
+                <a:spcPts val="0"/>
+              </a:spcBef>
+              <a:spcAft>
+                <a:spcPts val="0"/>
+              </a:spcAft>
+              <a:buClrTx/>
+              <a:buSzTx/>
+              <a:buFontTx/>
+              <a:buNone/>
+              <a:tabLst/>
+              <a:defRPr/>
+            </a:pPr>
+            <a:endParaRPr lang="en-GB" b="0" dirty="0">
+              <a:solidFill>
+                <a:srgbClr val="D4D4D4"/>
+              </a:solidFill>
+              <a:effectLst/>
+              <a:latin typeface="Consolas" panose="020B0609020204030204" pitchFamily="49" charset="0"/>
+            </a:endParaRPr>
+          </a:p>
+        </p:txBody>
+      </p:sp>
+      <p:sp>
+        <p:nvSpPr>
+          <p:cNvPr id="4" name="Slide Number Placeholder 3"/>
+          <p:cNvSpPr>
+            <a:spLocks noGrp="1"/>
+          </p:cNvSpPr>
+          <p:nvPr>
+            <p:ph type="sldNum" sz="quarter" idx="5"/>
+          </p:nvPr>
+        </p:nvSpPr>
+        <p:spPr/>
+        <p:txBody>
+          <a:bodyPr/>
+          <a:lstStyle/>
+          <a:p>
+            <a:fld id="{3B668B24-6724-45B8-92D9-D35D25791239}" type="slidenum">
+              <a:rPr lang="en-GB" smtClean="0"/>
+              <a:t>6</a:t>
+            </a:fld>
+            <a:endParaRPr lang="en-GB"/>
+          </a:p>
+        </p:txBody>
+      </p:sp>
+    </p:spTree>
+    <p:extLst>
+      <p:ext uri="{BB962C8B-B14F-4D97-AF65-F5344CB8AC3E}">
+        <p14:creationId xmlns:p14="http://schemas.microsoft.com/office/powerpoint/2010/main" val="4182341599"/>
+      </p:ext>
+    </p:extLst>
+  </p:cSld>
+  <p:clrMapOvr>
+    <a:masterClrMapping/>
+  </p:clrMapOvr>
+</p:notes>
+</file>
+
 <file path=ppt/slideLayouts/slideLayout1.xml><?xml version="1.0" encoding="utf-8"?>
 <p:sldLayout xmlns:a="http://schemas.openxmlformats.org/drawingml/2006/main" xmlns:r="http://schemas.openxmlformats.org/officeDocument/2006/relationships" xmlns:p="http://schemas.openxmlformats.org/presentationml/2006/main" type="title" preserve="1">
   <p:cSld name="Title Slide">
@@ -1044,7 +1193,7 @@
           <a:p>
             <a:fld id="{6A9331EC-8641-4C7D-B8F2-52FC36CA7DB7}" type="datetimeFigureOut">
               <a:rPr lang="en-GB" smtClean="0"/>
-              <a:t>28/03/2023</a:t>
+              <a:t>20/04/2023</a:t>
             </a:fld>
             <a:endParaRPr lang="en-GB"/>
           </a:p>
@@ -1214,7 +1363,7 @@
           <a:p>
             <a:fld id="{6A9331EC-8641-4C7D-B8F2-52FC36CA7DB7}" type="datetimeFigureOut">
               <a:rPr lang="en-GB" smtClean="0"/>
-              <a:t>28/03/2023</a:t>
+              <a:t>20/04/2023</a:t>
             </a:fld>
             <a:endParaRPr lang="en-GB"/>
           </a:p>
@@ -1394,7 +1543,7 @@
           <a:p>
             <a:fld id="{6A9331EC-8641-4C7D-B8F2-52FC36CA7DB7}" type="datetimeFigureOut">
               <a:rPr lang="en-GB" smtClean="0"/>
-              <a:t>28/03/2023</a:t>
+              <a:t>20/04/2023</a:t>
             </a:fld>
             <a:endParaRPr lang="en-GB"/>
           </a:p>
@@ -1564,7 +1713,7 @@
           <a:p>
             <a:fld id="{6A9331EC-8641-4C7D-B8F2-52FC36CA7DB7}" type="datetimeFigureOut">
               <a:rPr lang="en-GB" smtClean="0"/>
-              <a:t>28/03/2023</a:t>
+              <a:t>20/04/2023</a:t>
             </a:fld>
             <a:endParaRPr lang="en-GB"/>
           </a:p>
@@ -1808,7 +1957,7 @@
           <a:p>
             <a:fld id="{6A9331EC-8641-4C7D-B8F2-52FC36CA7DB7}" type="datetimeFigureOut">
               <a:rPr lang="en-GB" smtClean="0"/>
-              <a:t>28/03/2023</a:t>
+              <a:t>20/04/2023</a:t>
             </a:fld>
             <a:endParaRPr lang="en-GB"/>
           </a:p>
@@ -2040,7 +2189,7 @@
           <a:p>
             <a:fld id="{6A9331EC-8641-4C7D-B8F2-52FC36CA7DB7}" type="datetimeFigureOut">
               <a:rPr lang="en-GB" smtClean="0"/>
-              <a:t>28/03/2023</a:t>
+              <a:t>20/04/2023</a:t>
             </a:fld>
             <a:endParaRPr lang="en-GB"/>
           </a:p>
@@ -2407,7 +2556,7 @@
           <a:p>
             <a:fld id="{6A9331EC-8641-4C7D-B8F2-52FC36CA7DB7}" type="datetimeFigureOut">
               <a:rPr lang="en-GB" smtClean="0"/>
-              <a:t>28/03/2023</a:t>
+              <a:t>20/04/2023</a:t>
             </a:fld>
             <a:endParaRPr lang="en-GB"/>
           </a:p>
@@ -2525,7 +2674,7 @@
           <a:p>
             <a:fld id="{6A9331EC-8641-4C7D-B8F2-52FC36CA7DB7}" type="datetimeFigureOut">
               <a:rPr lang="en-GB" smtClean="0"/>
-              <a:t>28/03/2023</a:t>
+              <a:t>20/04/2023</a:t>
             </a:fld>
             <a:endParaRPr lang="en-GB"/>
           </a:p>
@@ -2620,7 +2769,7 @@
           <a:p>
             <a:fld id="{6A9331EC-8641-4C7D-B8F2-52FC36CA7DB7}" type="datetimeFigureOut">
               <a:rPr lang="en-GB" smtClean="0"/>
-              <a:t>28/03/2023</a:t>
+              <a:t>20/04/2023</a:t>
             </a:fld>
             <a:endParaRPr lang="en-GB"/>
           </a:p>
@@ -2897,7 +3046,7 @@
           <a:p>
             <a:fld id="{6A9331EC-8641-4C7D-B8F2-52FC36CA7DB7}" type="datetimeFigureOut">
               <a:rPr lang="en-GB" smtClean="0"/>
-              <a:t>28/03/2023</a:t>
+              <a:t>20/04/2023</a:t>
             </a:fld>
             <a:endParaRPr lang="en-GB"/>
           </a:p>
@@ -3154,7 +3303,7 @@
           <a:p>
             <a:fld id="{6A9331EC-8641-4C7D-B8F2-52FC36CA7DB7}" type="datetimeFigureOut">
               <a:rPr lang="en-GB" smtClean="0"/>
-              <a:t>28/03/2023</a:t>
+              <a:t>20/04/2023</a:t>
             </a:fld>
             <a:endParaRPr lang="en-GB"/>
           </a:p>
@@ -3367,7 +3516,7 @@
           <a:p>
             <a:fld id="{6A9331EC-8641-4C7D-B8F2-52FC36CA7DB7}" type="datetimeFigureOut">
               <a:rPr lang="en-GB" smtClean="0"/>
-              <a:t>28/03/2023</a:t>
+              <a:t>20/04/2023</a:t>
             </a:fld>
             <a:endParaRPr lang="en-GB"/>
           </a:p>
@@ -3800,8 +3949,8 @@
         </p:blipFill>
         <p:spPr>
           <a:xfrm>
-            <a:off x="640080" y="4484914"/>
-            <a:ext cx="4572000" cy="5225143"/>
+            <a:off x="1049654" y="4953000"/>
+            <a:ext cx="4162425" cy="4757057"/>
           </a:xfrm>
           <a:prstGeom prst="rect">
             <a:avLst/>
@@ -3836,18 +3985,219 @@
         </p:blipFill>
         <p:spPr>
           <a:xfrm>
-            <a:off x="855339" y="0"/>
-            <a:ext cx="4484914" cy="4484914"/>
+            <a:off x="1409699" y="554360"/>
+            <a:ext cx="3930553" cy="3930553"/>
           </a:xfrm>
           <a:prstGeom prst="rect">
             <a:avLst/>
           </a:prstGeom>
         </p:spPr>
       </p:pic>
+      <p:sp>
+        <p:nvSpPr>
+          <p:cNvPr id="2" name="TextBox 1">
+            <a:extLst>
+              <a:ext uri="{FF2B5EF4-FFF2-40B4-BE49-F238E27FC236}">
+                <a16:creationId xmlns:a16="http://schemas.microsoft.com/office/drawing/2014/main" id="{C8C106D5-7296-7126-80E2-6C24DE696721}"/>
+              </a:ext>
+            </a:extLst>
+          </p:cNvPr>
+          <p:cNvSpPr txBox="1"/>
+          <p:nvPr/>
+        </p:nvSpPr>
+        <p:spPr>
+          <a:xfrm>
+            <a:off x="5212081" y="5743575"/>
+            <a:ext cx="1645920" cy="954107"/>
+          </a:xfrm>
+          <a:prstGeom prst="rect">
+            <a:avLst/>
+          </a:prstGeom>
+          <a:noFill/>
+        </p:spPr>
+        <p:txBody>
+          <a:bodyPr wrap="square" rtlCol="0">
+            <a:spAutoFit/>
+          </a:bodyPr>
+          <a:lstStyle/>
+          <a:p>
+            <a:r>
+              <a:rPr lang="en-US" sz="1400" dirty="0"/>
+              <a:t>May need to rerun with more iterations (too many p=0)</a:t>
+            </a:r>
+            <a:endParaRPr lang="en-GB" sz="1400" dirty="0"/>
+          </a:p>
+        </p:txBody>
+      </p:sp>
+      <p:sp>
+        <p:nvSpPr>
+          <p:cNvPr id="3" name="TextBox 2">
+            <a:extLst>
+              <a:ext uri="{FF2B5EF4-FFF2-40B4-BE49-F238E27FC236}">
+                <a16:creationId xmlns:a16="http://schemas.microsoft.com/office/drawing/2014/main" id="{4ADA57BB-9B25-7C6E-7A7C-792ACAE074F0}"/>
+              </a:ext>
+            </a:extLst>
+          </p:cNvPr>
+          <p:cNvSpPr txBox="1"/>
+          <p:nvPr/>
+        </p:nvSpPr>
+        <p:spPr>
+          <a:xfrm>
+            <a:off x="15777" y="0"/>
+            <a:ext cx="6842223" cy="646331"/>
+          </a:xfrm>
+          <a:prstGeom prst="rect">
+            <a:avLst/>
+          </a:prstGeom>
+          <a:noFill/>
+        </p:spPr>
+        <p:txBody>
+          <a:bodyPr wrap="square" rtlCol="0">
+            <a:spAutoFit/>
+          </a:bodyPr>
+          <a:lstStyle/>
+          <a:p>
+            <a:r>
+              <a:rPr lang="en-US" dirty="0"/>
+              <a:t>Hierarchical clustering of all genes associated with these disorders (genetic association &gt;0.1)</a:t>
+            </a:r>
+            <a:endParaRPr lang="en-GB" dirty="0"/>
+          </a:p>
+        </p:txBody>
+      </p:sp>
+      <p:sp>
+        <p:nvSpPr>
+          <p:cNvPr id="4" name="TextBox 3">
+            <a:extLst>
+              <a:ext uri="{FF2B5EF4-FFF2-40B4-BE49-F238E27FC236}">
+                <a16:creationId xmlns:a16="http://schemas.microsoft.com/office/drawing/2014/main" id="{6FABFA60-7F31-E62F-09FC-EF206CFEAA68}"/>
+              </a:ext>
+            </a:extLst>
+          </p:cNvPr>
+          <p:cNvSpPr txBox="1"/>
+          <p:nvPr/>
+        </p:nvSpPr>
+        <p:spPr>
+          <a:xfrm>
+            <a:off x="-46137" y="4378791"/>
+            <a:ext cx="6842223" cy="646331"/>
+          </a:xfrm>
+          <a:prstGeom prst="rect">
+            <a:avLst/>
+          </a:prstGeom>
+          <a:noFill/>
+        </p:spPr>
+        <p:txBody>
+          <a:bodyPr wrap="square" rtlCol="0">
+            <a:spAutoFit/>
+          </a:bodyPr>
+          <a:lstStyle/>
+          <a:p>
+            <a:r>
+              <a:rPr lang="en-US" dirty="0"/>
+              <a:t>Is ligand/receptor occurrence in risk genes significant for these diseases?</a:t>
+            </a:r>
+            <a:endParaRPr lang="en-GB" dirty="0"/>
+          </a:p>
+        </p:txBody>
+      </p:sp>
     </p:spTree>
     <p:extLst>
       <p:ext uri="{BB962C8B-B14F-4D97-AF65-F5344CB8AC3E}">
         <p14:creationId xmlns:p14="http://schemas.microsoft.com/office/powerpoint/2010/main" val="784502863"/>
+      </p:ext>
+    </p:extLst>
+  </p:cSld>
+  <p:clrMapOvr>
+    <a:masterClrMapping/>
+  </p:clrMapOvr>
+</p:sld>
+</file>
+
+<file path=ppt/slides/slide10.xml><?xml version="1.0" encoding="utf-8"?>
+<p:sld xmlns:a="http://schemas.openxmlformats.org/drawingml/2006/main" xmlns:r="http://schemas.openxmlformats.org/officeDocument/2006/relationships" xmlns:p="http://schemas.openxmlformats.org/presentationml/2006/main">
+  <p:cSld>
+    <p:spTree>
+      <p:nvGrpSpPr>
+        <p:cNvPr id="1" name=""/>
+        <p:cNvGrpSpPr/>
+        <p:nvPr/>
+      </p:nvGrpSpPr>
+      <p:grpSpPr>
+        <a:xfrm>
+          <a:off x="0" y="0"/>
+          <a:ext cx="0" cy="0"/>
+          <a:chOff x="0" y="0"/>
+          <a:chExt cx="0" cy="0"/>
+        </a:xfrm>
+      </p:grpSpPr>
+      <p:sp>
+        <p:nvSpPr>
+          <p:cNvPr id="2" name="Title 1">
+            <a:extLst>
+              <a:ext uri="{FF2B5EF4-FFF2-40B4-BE49-F238E27FC236}">
+                <a16:creationId xmlns:a16="http://schemas.microsoft.com/office/drawing/2014/main" id="{5DB2186C-BA17-F3B0-00C1-E37EE5819C58}"/>
+              </a:ext>
+            </a:extLst>
+          </p:cNvPr>
+          <p:cNvSpPr>
+            <a:spLocks noGrp="1"/>
+          </p:cNvSpPr>
+          <p:nvPr>
+            <p:ph type="title"/>
+          </p:nvPr>
+        </p:nvSpPr>
+        <p:spPr/>
+        <p:txBody>
+          <a:bodyPr/>
+          <a:lstStyle/>
+          <a:p>
+            <a:r>
+              <a:rPr lang="en-US" dirty="0"/>
+              <a:t>Next steps in this analysis</a:t>
+            </a:r>
+            <a:endParaRPr lang="en-GB" dirty="0"/>
+          </a:p>
+        </p:txBody>
+      </p:sp>
+      <p:sp>
+        <p:nvSpPr>
+          <p:cNvPr id="3" name="Content Placeholder 2">
+            <a:extLst>
+              <a:ext uri="{FF2B5EF4-FFF2-40B4-BE49-F238E27FC236}">
+                <a16:creationId xmlns:a16="http://schemas.microsoft.com/office/drawing/2014/main" id="{0C69F468-19FE-66C1-C137-34AB0664C955}"/>
+              </a:ext>
+            </a:extLst>
+          </p:cNvPr>
+          <p:cNvSpPr>
+            <a:spLocks noGrp="1"/>
+          </p:cNvSpPr>
+          <p:nvPr>
+            <p:ph idx="1"/>
+          </p:nvPr>
+        </p:nvSpPr>
+        <p:spPr/>
+        <p:txBody>
+          <a:bodyPr/>
+          <a:lstStyle/>
+          <a:p>
+            <a:r>
+              <a:rPr lang="en-US" dirty="0"/>
+              <a:t>How conserved are these genes across species? </a:t>
+            </a:r>
+          </a:p>
+          <a:p>
+            <a:endParaRPr lang="en-US" dirty="0"/>
+          </a:p>
+          <a:p>
+            <a:endParaRPr lang="en-GB" dirty="0"/>
+          </a:p>
+        </p:txBody>
+      </p:sp>
+    </p:spTree>
+    <p:extLst>
+      <p:ext uri="{BB962C8B-B14F-4D97-AF65-F5344CB8AC3E}">
+        <p14:creationId xmlns:p14="http://schemas.microsoft.com/office/powerpoint/2010/main" val="2855875270"/>
       </p:ext>
     </p:extLst>
   </p:cSld>
@@ -3902,8 +4252,8 @@
         </p:blipFill>
         <p:spPr>
           <a:xfrm>
-            <a:off x="580209" y="3790269"/>
-            <a:ext cx="5519056" cy="4829175"/>
+            <a:off x="1076325" y="4224371"/>
+            <a:ext cx="5022940" cy="4395073"/>
           </a:xfrm>
           <a:prstGeom prst="rect">
             <a:avLst/>
@@ -3925,25 +4275,25 @@
           <p:nvPr>
             <p:extLst>
               <p:ext uri="{D42A27DB-BD31-4B8C-83A1-F6EECF244321}">
-                <p14:modId xmlns:p14="http://schemas.microsoft.com/office/powerpoint/2010/main" val="2408344666"/>
+                <p14:modId xmlns:p14="http://schemas.microsoft.com/office/powerpoint/2010/main" val="439061990"/>
               </p:ext>
             </p:extLst>
           </p:nvPr>
         </p:nvGraphicFramePr>
         <p:xfrm>
-          <a:off x="3429000" y="648789"/>
-          <a:ext cx="3412360" cy="2390502"/>
+          <a:off x="3518265" y="1120898"/>
+          <a:ext cx="3323095" cy="2327968"/>
         </p:xfrm>
         <a:graphic>
           <a:graphicData uri="http://schemas.openxmlformats.org/presentationml/2006/ole">
             <mc:AlternateContent xmlns:mc="http://schemas.openxmlformats.org/markup-compatibility/2006">
               <mc:Choice xmlns:v="urn:schemas-microsoft-com:vml" Requires="v">
-                <p:oleObj name="Acrobat Document" r:id="rId4" imgW="2343150" imgH="1641805" progId="Acrobat.Document.DC">
+                <p:oleObj name="Acrobat Document" r:id="rId4" imgW="2343240" imgH="1641960" progId="Acrobat.Document.DC">
                   <p:embed/>
                 </p:oleObj>
               </mc:Choice>
               <mc:Fallback>
-                <p:oleObj name="Acrobat Document" r:id="rId4" imgW="2343150" imgH="1641805" progId="Acrobat.Document.DC">
+                <p:oleObj name="Acrobat Document" r:id="rId4" imgW="2343240" imgH="1641960" progId="Acrobat.Document.DC">
                   <p:embed/>
                   <p:pic>
                     <p:nvPicPr>
@@ -3959,8 +4309,8 @@
                     </p:blipFill>
                     <p:spPr>
                       <a:xfrm>
-                        <a:off x="3429000" y="648789"/>
-                        <a:ext cx="3412360" cy="2390502"/>
+                        <a:off x="3518265" y="1120898"/>
+                        <a:ext cx="3323095" cy="2327968"/>
                       </a:xfrm>
                       <a:prstGeom prst="rect">
                         <a:avLst/>
@@ -4001,14 +4351,494 @@
         </p:blipFill>
         <p:spPr>
           <a:xfrm>
-            <a:off x="0" y="361407"/>
-            <a:ext cx="3339737" cy="3339737"/>
+            <a:off x="400050" y="761457"/>
+            <a:ext cx="2939687" cy="2939687"/>
           </a:xfrm>
           <a:prstGeom prst="rect">
             <a:avLst/>
           </a:prstGeom>
         </p:spPr>
       </p:pic>
+      <p:sp>
+        <p:nvSpPr>
+          <p:cNvPr id="3" name="TextBox 2">
+            <a:extLst>
+              <a:ext uri="{FF2B5EF4-FFF2-40B4-BE49-F238E27FC236}">
+                <a16:creationId xmlns:a16="http://schemas.microsoft.com/office/drawing/2014/main" id="{C79F03B0-E3FF-9A23-A0FA-2BC51116CBC1}"/>
+              </a:ext>
+            </a:extLst>
+          </p:cNvPr>
+          <p:cNvSpPr txBox="1"/>
+          <p:nvPr/>
+        </p:nvSpPr>
+        <p:spPr>
+          <a:xfrm>
+            <a:off x="-863" y="-50884"/>
+            <a:ext cx="6842223" cy="646331"/>
+          </a:xfrm>
+          <a:prstGeom prst="rect">
+            <a:avLst/>
+          </a:prstGeom>
+          <a:noFill/>
+        </p:spPr>
+        <p:txBody>
+          <a:bodyPr wrap="square" rtlCol="0">
+            <a:spAutoFit/>
+          </a:bodyPr>
+          <a:lstStyle/>
+          <a:p>
+            <a:r>
+              <a:rPr lang="en-US" dirty="0" err="1"/>
+              <a:t>Characterising</a:t>
+            </a:r>
+            <a:r>
+              <a:rPr lang="en-US" dirty="0"/>
+              <a:t> psychiatric gene hub (add details of how these were selected)</a:t>
+            </a:r>
+            <a:endParaRPr lang="en-GB" dirty="0"/>
+          </a:p>
+        </p:txBody>
+      </p:sp>
+      <p:sp>
+        <p:nvSpPr>
+          <p:cNvPr id="4" name="TextBox 3">
+            <a:extLst>
+              <a:ext uri="{FF2B5EF4-FFF2-40B4-BE49-F238E27FC236}">
+                <a16:creationId xmlns:a16="http://schemas.microsoft.com/office/drawing/2014/main" id="{6D4D9DE2-7738-C04D-D2CD-B3DB0629DFAB}"/>
+              </a:ext>
+            </a:extLst>
+          </p:cNvPr>
+          <p:cNvSpPr txBox="1"/>
+          <p:nvPr/>
+        </p:nvSpPr>
+        <p:spPr>
+          <a:xfrm>
+            <a:off x="916306" y="481712"/>
+            <a:ext cx="2128156" cy="307777"/>
+          </a:xfrm>
+          <a:prstGeom prst="rect">
+            <a:avLst/>
+          </a:prstGeom>
+          <a:noFill/>
+        </p:spPr>
+        <p:txBody>
+          <a:bodyPr wrap="square" rtlCol="0">
+            <a:spAutoFit/>
+          </a:bodyPr>
+          <a:lstStyle/>
+          <a:p>
+            <a:r>
+              <a:rPr lang="en-US" sz="1400" dirty="0"/>
+              <a:t>Tissue expression (</a:t>
+            </a:r>
+            <a:r>
+              <a:rPr lang="en-US" sz="1400" dirty="0" err="1"/>
+              <a:t>GTEx</a:t>
+            </a:r>
+            <a:r>
+              <a:rPr lang="en-US" sz="1400" dirty="0"/>
+              <a:t>)</a:t>
+            </a:r>
+            <a:endParaRPr lang="en-GB" sz="1400" dirty="0"/>
+          </a:p>
+        </p:txBody>
+      </p:sp>
+      <p:sp>
+        <p:nvSpPr>
+          <p:cNvPr id="7" name="TextBox 6">
+            <a:extLst>
+              <a:ext uri="{FF2B5EF4-FFF2-40B4-BE49-F238E27FC236}">
+                <a16:creationId xmlns:a16="http://schemas.microsoft.com/office/drawing/2014/main" id="{7EE926DE-50F5-9B1F-C0FA-6D78CEFCE7D0}"/>
+              </a:ext>
+            </a:extLst>
+          </p:cNvPr>
+          <p:cNvSpPr txBox="1"/>
+          <p:nvPr/>
+        </p:nvSpPr>
+        <p:spPr>
+          <a:xfrm>
+            <a:off x="4115733" y="481712"/>
+            <a:ext cx="2523191" cy="307777"/>
+          </a:xfrm>
+          <a:prstGeom prst="rect">
+            <a:avLst/>
+          </a:prstGeom>
+          <a:noFill/>
+        </p:spPr>
+        <p:txBody>
+          <a:bodyPr wrap="square" rtlCol="0">
+            <a:spAutoFit/>
+          </a:bodyPr>
+          <a:lstStyle/>
+          <a:p>
+            <a:r>
+              <a:rPr lang="en-US" sz="1400" dirty="0"/>
+              <a:t>Spatial domain scores (DLPFC)</a:t>
+            </a:r>
+            <a:endParaRPr lang="en-GB" sz="1400" dirty="0"/>
+          </a:p>
+        </p:txBody>
+      </p:sp>
+      <p:sp>
+        <p:nvSpPr>
+          <p:cNvPr id="9" name="TextBox 8">
+            <a:extLst>
+              <a:ext uri="{FF2B5EF4-FFF2-40B4-BE49-F238E27FC236}">
+                <a16:creationId xmlns:a16="http://schemas.microsoft.com/office/drawing/2014/main" id="{3706DBE1-E8D1-C642-2D25-7A14EEE5CFD3}"/>
+              </a:ext>
+            </a:extLst>
+          </p:cNvPr>
+          <p:cNvSpPr txBox="1"/>
+          <p:nvPr/>
+        </p:nvSpPr>
+        <p:spPr>
+          <a:xfrm>
+            <a:off x="2640330" y="3972093"/>
+            <a:ext cx="2446019" cy="307777"/>
+          </a:xfrm>
+          <a:prstGeom prst="rect">
+            <a:avLst/>
+          </a:prstGeom>
+          <a:noFill/>
+        </p:spPr>
+        <p:txBody>
+          <a:bodyPr wrap="square" rtlCol="0">
+            <a:spAutoFit/>
+          </a:bodyPr>
+          <a:lstStyle/>
+          <a:p>
+            <a:r>
+              <a:rPr lang="en-US" sz="1400" dirty="0"/>
+              <a:t>Cell type enrichment (EWCE)</a:t>
+            </a:r>
+            <a:endParaRPr lang="en-GB" sz="1400" dirty="0"/>
+          </a:p>
+        </p:txBody>
+      </p:sp>
+      <p:sp>
+        <p:nvSpPr>
+          <p:cNvPr id="17" name="TextBox 16">
+            <a:extLst>
+              <a:ext uri="{FF2B5EF4-FFF2-40B4-BE49-F238E27FC236}">
+                <a16:creationId xmlns:a16="http://schemas.microsoft.com/office/drawing/2014/main" id="{D19B5414-0177-724D-5DD1-434532326229}"/>
+              </a:ext>
+            </a:extLst>
+          </p:cNvPr>
+          <p:cNvSpPr txBox="1"/>
+          <p:nvPr/>
+        </p:nvSpPr>
+        <p:spPr>
+          <a:xfrm>
+            <a:off x="6423296" y="3335367"/>
+            <a:ext cx="452368" cy="276999"/>
+          </a:xfrm>
+          <a:prstGeom prst="rect">
+            <a:avLst/>
+          </a:prstGeom>
+          <a:noFill/>
+        </p:spPr>
+        <p:txBody>
+          <a:bodyPr wrap="none" rtlCol="0">
+            <a:spAutoFit/>
+          </a:bodyPr>
+          <a:lstStyle/>
+          <a:p>
+            <a:r>
+              <a:rPr lang="en-US" sz="1200" dirty="0"/>
+              <a:t>WM</a:t>
+            </a:r>
+            <a:endParaRPr lang="en-GB" sz="1200" dirty="0"/>
+          </a:p>
+        </p:txBody>
+      </p:sp>
+      <p:sp>
+        <p:nvSpPr>
+          <p:cNvPr id="18" name="TextBox 17">
+            <a:extLst>
+              <a:ext uri="{FF2B5EF4-FFF2-40B4-BE49-F238E27FC236}">
+                <a16:creationId xmlns:a16="http://schemas.microsoft.com/office/drawing/2014/main" id="{B07CAE58-98E8-321D-1F26-7011EC5F9272}"/>
+              </a:ext>
+            </a:extLst>
+          </p:cNvPr>
+          <p:cNvSpPr txBox="1"/>
+          <p:nvPr/>
+        </p:nvSpPr>
+        <p:spPr>
+          <a:xfrm>
+            <a:off x="3806229" y="3341368"/>
+            <a:ext cx="327334" cy="276999"/>
+          </a:xfrm>
+          <a:prstGeom prst="rect">
+            <a:avLst/>
+          </a:prstGeom>
+          <a:noFill/>
+        </p:spPr>
+        <p:txBody>
+          <a:bodyPr wrap="none" rtlCol="0">
+            <a:spAutoFit/>
+          </a:bodyPr>
+          <a:lstStyle/>
+          <a:p>
+            <a:r>
+              <a:rPr lang="en-US" sz="1200" dirty="0"/>
+              <a:t>L1</a:t>
+            </a:r>
+            <a:endParaRPr lang="en-GB" sz="1200" dirty="0"/>
+          </a:p>
+        </p:txBody>
+      </p:sp>
+      <p:sp>
+        <p:nvSpPr>
+          <p:cNvPr id="19" name="TextBox 18">
+            <a:extLst>
+              <a:ext uri="{FF2B5EF4-FFF2-40B4-BE49-F238E27FC236}">
+                <a16:creationId xmlns:a16="http://schemas.microsoft.com/office/drawing/2014/main" id="{757EFA9F-E9ED-336A-2956-3684B3097F90}"/>
+              </a:ext>
+            </a:extLst>
+          </p:cNvPr>
+          <p:cNvSpPr txBox="1"/>
+          <p:nvPr/>
+        </p:nvSpPr>
+        <p:spPr>
+          <a:xfrm>
+            <a:off x="4136442" y="3346032"/>
+            <a:ext cx="327334" cy="276999"/>
+          </a:xfrm>
+          <a:prstGeom prst="rect">
+            <a:avLst/>
+          </a:prstGeom>
+          <a:noFill/>
+        </p:spPr>
+        <p:txBody>
+          <a:bodyPr wrap="none" rtlCol="0">
+            <a:spAutoFit/>
+          </a:bodyPr>
+          <a:lstStyle/>
+          <a:p>
+            <a:r>
+              <a:rPr lang="en-US" sz="1200" dirty="0"/>
+              <a:t>L1</a:t>
+            </a:r>
+            <a:endParaRPr lang="en-GB" sz="1200" dirty="0"/>
+          </a:p>
+        </p:txBody>
+      </p:sp>
+      <p:sp>
+        <p:nvSpPr>
+          <p:cNvPr id="20" name="TextBox 19">
+            <a:extLst>
+              <a:ext uri="{FF2B5EF4-FFF2-40B4-BE49-F238E27FC236}">
+                <a16:creationId xmlns:a16="http://schemas.microsoft.com/office/drawing/2014/main" id="{49A8A862-7FAB-25A0-5BF6-8209286E569E}"/>
+              </a:ext>
+            </a:extLst>
+          </p:cNvPr>
+          <p:cNvSpPr txBox="1"/>
+          <p:nvPr/>
+        </p:nvSpPr>
+        <p:spPr>
+          <a:xfrm>
+            <a:off x="4480241" y="3341472"/>
+            <a:ext cx="327334" cy="276999"/>
+          </a:xfrm>
+          <a:prstGeom prst="rect">
+            <a:avLst/>
+          </a:prstGeom>
+          <a:noFill/>
+        </p:spPr>
+        <p:txBody>
+          <a:bodyPr wrap="none" rtlCol="0">
+            <a:spAutoFit/>
+          </a:bodyPr>
+          <a:lstStyle/>
+          <a:p>
+            <a:r>
+              <a:rPr lang="en-US" sz="1200" dirty="0"/>
+              <a:t>L2</a:t>
+            </a:r>
+            <a:endParaRPr lang="en-GB" sz="1200" dirty="0"/>
+          </a:p>
+        </p:txBody>
+      </p:sp>
+      <p:sp>
+        <p:nvSpPr>
+          <p:cNvPr id="21" name="TextBox 20">
+            <a:extLst>
+              <a:ext uri="{FF2B5EF4-FFF2-40B4-BE49-F238E27FC236}">
+                <a16:creationId xmlns:a16="http://schemas.microsoft.com/office/drawing/2014/main" id="{FE7BD575-E6DE-2453-8518-5F290AAD1EA5}"/>
+              </a:ext>
+            </a:extLst>
+          </p:cNvPr>
+          <p:cNvSpPr txBox="1"/>
+          <p:nvPr/>
+        </p:nvSpPr>
+        <p:spPr>
+          <a:xfrm>
+            <a:off x="4810454" y="3354966"/>
+            <a:ext cx="327334" cy="276999"/>
+          </a:xfrm>
+          <a:prstGeom prst="rect">
+            <a:avLst/>
+          </a:prstGeom>
+          <a:noFill/>
+        </p:spPr>
+        <p:txBody>
+          <a:bodyPr wrap="none" rtlCol="0">
+            <a:spAutoFit/>
+          </a:bodyPr>
+          <a:lstStyle/>
+          <a:p>
+            <a:r>
+              <a:rPr lang="en-US" sz="1200" dirty="0"/>
+              <a:t>L5</a:t>
+            </a:r>
+            <a:endParaRPr lang="en-GB" sz="1200" dirty="0"/>
+          </a:p>
+        </p:txBody>
+      </p:sp>
+      <p:sp>
+        <p:nvSpPr>
+          <p:cNvPr id="22" name="TextBox 21">
+            <a:extLst>
+              <a:ext uri="{FF2B5EF4-FFF2-40B4-BE49-F238E27FC236}">
+                <a16:creationId xmlns:a16="http://schemas.microsoft.com/office/drawing/2014/main" id="{4D3FF51B-DB35-1558-4990-324CA0D17BFC}"/>
+              </a:ext>
+            </a:extLst>
+          </p:cNvPr>
+          <p:cNvSpPr txBox="1"/>
+          <p:nvPr/>
+        </p:nvSpPr>
+        <p:spPr>
+          <a:xfrm>
+            <a:off x="5137788" y="3365883"/>
+            <a:ext cx="327334" cy="276999"/>
+          </a:xfrm>
+          <a:prstGeom prst="rect">
+            <a:avLst/>
+          </a:prstGeom>
+          <a:noFill/>
+        </p:spPr>
+        <p:txBody>
+          <a:bodyPr wrap="none" rtlCol="0">
+            <a:spAutoFit/>
+          </a:bodyPr>
+          <a:lstStyle/>
+          <a:p>
+            <a:r>
+              <a:rPr lang="en-US" sz="1200" dirty="0"/>
+              <a:t>L3</a:t>
+            </a:r>
+            <a:endParaRPr lang="en-GB" sz="1200" dirty="0"/>
+          </a:p>
+        </p:txBody>
+      </p:sp>
+      <p:sp>
+        <p:nvSpPr>
+          <p:cNvPr id="23" name="TextBox 22">
+            <a:extLst>
+              <a:ext uri="{FF2B5EF4-FFF2-40B4-BE49-F238E27FC236}">
+                <a16:creationId xmlns:a16="http://schemas.microsoft.com/office/drawing/2014/main" id="{B7FACABE-BEDD-96CD-D9C1-40E41BAE0F86}"/>
+              </a:ext>
+            </a:extLst>
+          </p:cNvPr>
+          <p:cNvSpPr txBox="1"/>
+          <p:nvPr/>
+        </p:nvSpPr>
+        <p:spPr>
+          <a:xfrm>
+            <a:off x="5831145" y="3357991"/>
+            <a:ext cx="327334" cy="276999"/>
+          </a:xfrm>
+          <a:prstGeom prst="rect">
+            <a:avLst/>
+          </a:prstGeom>
+          <a:noFill/>
+        </p:spPr>
+        <p:txBody>
+          <a:bodyPr wrap="none" rtlCol="0">
+            <a:spAutoFit/>
+          </a:bodyPr>
+          <a:lstStyle/>
+          <a:p>
+            <a:r>
+              <a:rPr lang="en-US" sz="1200" dirty="0"/>
+              <a:t>L6</a:t>
+            </a:r>
+            <a:endParaRPr lang="en-GB" sz="1200" dirty="0"/>
+          </a:p>
+        </p:txBody>
+      </p:sp>
+      <p:sp>
+        <p:nvSpPr>
+          <p:cNvPr id="24" name="TextBox 23">
+            <a:extLst>
+              <a:ext uri="{FF2B5EF4-FFF2-40B4-BE49-F238E27FC236}">
+                <a16:creationId xmlns:a16="http://schemas.microsoft.com/office/drawing/2014/main" id="{7725D9FF-8EBF-B11F-1C33-439D5CF5FB73}"/>
+              </a:ext>
+            </a:extLst>
+          </p:cNvPr>
+          <p:cNvSpPr txBox="1"/>
+          <p:nvPr/>
+        </p:nvSpPr>
+        <p:spPr>
+          <a:xfrm>
+            <a:off x="6158479" y="3342065"/>
+            <a:ext cx="327334" cy="276999"/>
+          </a:xfrm>
+          <a:prstGeom prst="rect">
+            <a:avLst/>
+          </a:prstGeom>
+          <a:noFill/>
+        </p:spPr>
+        <p:txBody>
+          <a:bodyPr wrap="none" rtlCol="0">
+            <a:spAutoFit/>
+          </a:bodyPr>
+          <a:lstStyle/>
+          <a:p>
+            <a:r>
+              <a:rPr lang="en-US" sz="1200" dirty="0"/>
+              <a:t>L4</a:t>
+            </a:r>
+            <a:endParaRPr lang="en-GB" sz="1200" dirty="0"/>
+          </a:p>
+        </p:txBody>
+      </p:sp>
+      <p:sp>
+        <p:nvSpPr>
+          <p:cNvPr id="25" name="TextBox 24">
+            <a:extLst>
+              <a:ext uri="{FF2B5EF4-FFF2-40B4-BE49-F238E27FC236}">
+                <a16:creationId xmlns:a16="http://schemas.microsoft.com/office/drawing/2014/main" id="{CD7AC5CA-9701-43CE-9217-FE9A7E5CB16F}"/>
+              </a:ext>
+            </a:extLst>
+          </p:cNvPr>
+          <p:cNvSpPr txBox="1"/>
+          <p:nvPr/>
+        </p:nvSpPr>
+        <p:spPr>
+          <a:xfrm>
+            <a:off x="5426433" y="3361937"/>
+            <a:ext cx="452368" cy="276999"/>
+          </a:xfrm>
+          <a:prstGeom prst="rect">
+            <a:avLst/>
+          </a:prstGeom>
+          <a:noFill/>
+        </p:spPr>
+        <p:txBody>
+          <a:bodyPr wrap="none" rtlCol="0">
+            <a:spAutoFit/>
+          </a:bodyPr>
+          <a:lstStyle/>
+          <a:p>
+            <a:r>
+              <a:rPr lang="en-US" sz="1200" dirty="0"/>
+              <a:t>WM</a:t>
+            </a:r>
+            <a:endParaRPr lang="en-GB" sz="1200" dirty="0"/>
+          </a:p>
+        </p:txBody>
+      </p:sp>
     </p:spTree>
     <p:extLst>
       <p:ext uri="{BB962C8B-B14F-4D97-AF65-F5344CB8AC3E}">
@@ -4066,7 +4896,7 @@
         </p:blipFill>
         <p:spPr>
           <a:xfrm>
-            <a:off x="0" y="878305"/>
+            <a:off x="-863" y="1088469"/>
             <a:ext cx="3705726" cy="3753853"/>
           </a:xfrm>
           <a:prstGeom prst="rect">
@@ -4102,7 +4932,7 @@
         </p:blipFill>
         <p:spPr>
           <a:xfrm>
-            <a:off x="3429000" y="108284"/>
+            <a:off x="3428137" y="318448"/>
             <a:ext cx="3609475" cy="5156394"/>
           </a:xfrm>
           <a:prstGeom prst="rect">
@@ -4110,12 +4940,52 @@
           </a:prstGeom>
         </p:spPr>
       </p:pic>
+      <p:sp>
+        <p:nvSpPr>
+          <p:cNvPr id="2" name="TextBox 1">
+            <a:extLst>
+              <a:ext uri="{FF2B5EF4-FFF2-40B4-BE49-F238E27FC236}">
+                <a16:creationId xmlns:a16="http://schemas.microsoft.com/office/drawing/2014/main" id="{AC1E80F7-43CE-A56E-3441-28667248E574}"/>
+              </a:ext>
+            </a:extLst>
+          </p:cNvPr>
+          <p:cNvSpPr txBox="1"/>
+          <p:nvPr/>
+        </p:nvSpPr>
+        <p:spPr>
+          <a:xfrm>
+            <a:off x="-863" y="-50884"/>
+            <a:ext cx="6842223" cy="369332"/>
+          </a:xfrm>
+          <a:prstGeom prst="rect">
+            <a:avLst/>
+          </a:prstGeom>
+          <a:noFill/>
+        </p:spPr>
+        <p:txBody>
+          <a:bodyPr wrap="square" rtlCol="0">
+            <a:spAutoFit/>
+          </a:bodyPr>
+          <a:lstStyle/>
+          <a:p>
+            <a:r>
+              <a:rPr lang="en-US" dirty="0" err="1"/>
+              <a:t>Characterising</a:t>
+            </a:r>
+            <a:r>
+              <a:rPr lang="en-US" dirty="0"/>
+              <a:t> core disease LR network across thresholds</a:t>
+            </a:r>
+            <a:endParaRPr lang="en-GB" dirty="0"/>
+          </a:p>
+        </p:txBody>
+      </p:sp>
       <p:pic>
         <p:nvPicPr>
-          <p:cNvPr id="8" name="Picture 7" descr="Chart&#10;&#10;Description automatically generated">
+          <p:cNvPr id="4" name="Picture 3" descr="Chart, scatter chart&#10;&#10;Description automatically generated">
             <a:extLst>
               <a:ext uri="{FF2B5EF4-FFF2-40B4-BE49-F238E27FC236}">
-                <a16:creationId xmlns:a16="http://schemas.microsoft.com/office/drawing/2014/main" id="{35BE0585-16AF-954A-25DF-C7E152A6BA28}"/>
+                <a16:creationId xmlns:a16="http://schemas.microsoft.com/office/drawing/2014/main" id="{A78A87D1-20B3-98CA-128A-F20A9399A3B9}"/>
               </a:ext>
             </a:extLst>
           </p:cNvPr>
@@ -4138,14 +5008,50 @@
         </p:blipFill>
         <p:spPr>
           <a:xfrm>
-            <a:off x="691116" y="5006420"/>
-            <a:ext cx="5475767" cy="4791296"/>
+            <a:off x="-863" y="5328421"/>
+            <a:ext cx="5231519" cy="4577579"/>
           </a:xfrm>
           <a:prstGeom prst="rect">
             <a:avLst/>
           </a:prstGeom>
         </p:spPr>
       </p:pic>
+      <p:sp>
+        <p:nvSpPr>
+          <p:cNvPr id="6" name="TextBox 5">
+            <a:extLst>
+              <a:ext uri="{FF2B5EF4-FFF2-40B4-BE49-F238E27FC236}">
+                <a16:creationId xmlns:a16="http://schemas.microsoft.com/office/drawing/2014/main" id="{D5803D60-39C5-B8E8-A729-8B2E80103391}"/>
+              </a:ext>
+            </a:extLst>
+          </p:cNvPr>
+          <p:cNvSpPr txBox="1"/>
+          <p:nvPr/>
+        </p:nvSpPr>
+        <p:spPr>
+          <a:xfrm>
+            <a:off x="5164409" y="8820973"/>
+            <a:ext cx="6842223" cy="369332"/>
+          </a:xfrm>
+          <a:prstGeom prst="rect">
+            <a:avLst/>
+          </a:prstGeom>
+          <a:noFill/>
+        </p:spPr>
+        <p:txBody>
+          <a:bodyPr wrap="square" rtlCol="0">
+            <a:spAutoFit/>
+          </a:bodyPr>
+          <a:lstStyle/>
+          <a:p>
+            <a:r>
+              <a:rPr lang="en-US" dirty="0"/>
+              <a:t>50,000 iterations</a:t>
+            </a:r>
+            <a:endParaRPr lang="en-GB" dirty="0"/>
+          </a:p>
+        </p:txBody>
+      </p:sp>
     </p:spTree>
     <p:extLst>
       <p:ext uri="{BB962C8B-B14F-4D97-AF65-F5344CB8AC3E}">
@@ -4204,7 +5110,7 @@
         </p:blipFill>
         <p:spPr>
           <a:xfrm>
-            <a:off x="0" y="6813884"/>
+            <a:off x="342900" y="6328109"/>
             <a:ext cx="3116179" cy="3116179"/>
           </a:xfrm>
           <a:prstGeom prst="rect">
@@ -4240,7 +5146,7 @@
         </p:blipFill>
         <p:spPr>
           <a:xfrm>
-            <a:off x="1" y="3533275"/>
+            <a:off x="419101" y="3192028"/>
             <a:ext cx="3116178" cy="3116178"/>
           </a:xfrm>
           <a:prstGeom prst="rect">
@@ -4276,7 +5182,7 @@
         </p:blipFill>
         <p:spPr>
           <a:xfrm>
-            <a:off x="-1" y="0"/>
+            <a:off x="419099" y="66675"/>
             <a:ext cx="3116180" cy="3116180"/>
           </a:xfrm>
           <a:prstGeom prst="rect">
@@ -4312,7 +5218,7 @@
         </p:blipFill>
         <p:spPr>
           <a:xfrm>
-            <a:off x="3429000" y="-340895"/>
+            <a:off x="3848100" y="-274220"/>
             <a:ext cx="3276600" cy="3276600"/>
           </a:xfrm>
           <a:prstGeom prst="rect">
@@ -4348,7 +5254,7 @@
         </p:blipFill>
         <p:spPr>
           <a:xfrm>
-            <a:off x="3429000" y="3116180"/>
+            <a:off x="3848100" y="2774933"/>
             <a:ext cx="3276600" cy="3276600"/>
           </a:xfrm>
           <a:prstGeom prst="rect">
@@ -4384,7 +5290,7 @@
         </p:blipFill>
         <p:spPr>
           <a:xfrm>
-            <a:off x="3429000" y="6653463"/>
+            <a:off x="3771900" y="6167688"/>
             <a:ext cx="3276600" cy="3276600"/>
           </a:xfrm>
           <a:prstGeom prst="rect">
@@ -4392,6 +5298,158 @@
           </a:prstGeom>
         </p:spPr>
       </p:pic>
+      <p:sp>
+        <p:nvSpPr>
+          <p:cNvPr id="2" name="TextBox 1">
+            <a:extLst>
+              <a:ext uri="{FF2B5EF4-FFF2-40B4-BE49-F238E27FC236}">
+                <a16:creationId xmlns:a16="http://schemas.microsoft.com/office/drawing/2014/main" id="{7A177783-A7A6-6540-E2BB-888A30E0A598}"/>
+              </a:ext>
+            </a:extLst>
+          </p:cNvPr>
+          <p:cNvSpPr txBox="1"/>
+          <p:nvPr/>
+        </p:nvSpPr>
+        <p:spPr>
+          <a:xfrm>
+            <a:off x="2364922" y="0"/>
+            <a:ext cx="2128156" cy="307777"/>
+          </a:xfrm>
+          <a:prstGeom prst="rect">
+            <a:avLst/>
+          </a:prstGeom>
+          <a:noFill/>
+        </p:spPr>
+        <p:txBody>
+          <a:bodyPr wrap="square" rtlCol="0">
+            <a:spAutoFit/>
+          </a:bodyPr>
+          <a:lstStyle/>
+          <a:p>
+            <a:r>
+              <a:rPr lang="en-US" sz="1400" dirty="0"/>
+              <a:t>Tissue expression (</a:t>
+            </a:r>
+            <a:r>
+              <a:rPr lang="en-US" sz="1400" dirty="0" err="1"/>
+              <a:t>GTEx</a:t>
+            </a:r>
+            <a:r>
+              <a:rPr lang="en-US" sz="1400" dirty="0"/>
+              <a:t>)</a:t>
+            </a:r>
+            <a:endParaRPr lang="en-GB" sz="1400" dirty="0"/>
+          </a:p>
+        </p:txBody>
+      </p:sp>
+      <p:sp>
+        <p:nvSpPr>
+          <p:cNvPr id="3" name="TextBox 2">
+            <a:extLst>
+              <a:ext uri="{FF2B5EF4-FFF2-40B4-BE49-F238E27FC236}">
+                <a16:creationId xmlns:a16="http://schemas.microsoft.com/office/drawing/2014/main" id="{50FA9F5D-99EF-EB15-84D5-1D6D963813C3}"/>
+              </a:ext>
+            </a:extLst>
+          </p:cNvPr>
+          <p:cNvSpPr txBox="1"/>
+          <p:nvPr/>
+        </p:nvSpPr>
+        <p:spPr>
+          <a:xfrm rot="16200000">
+            <a:off x="-81127" y="7387005"/>
+            <a:ext cx="530190" cy="307777"/>
+          </a:xfrm>
+          <a:prstGeom prst="rect">
+            <a:avLst/>
+          </a:prstGeom>
+          <a:noFill/>
+        </p:spPr>
+        <p:txBody>
+          <a:bodyPr wrap="square" rtlCol="0">
+            <a:spAutoFit/>
+          </a:bodyPr>
+          <a:lstStyle/>
+          <a:p>
+            <a:r>
+              <a:rPr lang="en-US" sz="1400" dirty="0"/>
+              <a:t>0.7</a:t>
+            </a:r>
+            <a:endParaRPr lang="en-GB" sz="1400" dirty="0"/>
+          </a:p>
+        </p:txBody>
+      </p:sp>
+      <p:sp>
+        <p:nvSpPr>
+          <p:cNvPr id="4" name="TextBox 3">
+            <a:extLst>
+              <a:ext uri="{FF2B5EF4-FFF2-40B4-BE49-F238E27FC236}">
+                <a16:creationId xmlns:a16="http://schemas.microsoft.com/office/drawing/2014/main" id="{1912E65D-5BA6-BF01-DFE3-BED3E3D79259}"/>
+              </a:ext>
+            </a:extLst>
+          </p:cNvPr>
+          <p:cNvSpPr txBox="1"/>
+          <p:nvPr/>
+        </p:nvSpPr>
+        <p:spPr>
+          <a:xfrm rot="16200000">
+            <a:off x="-1934" y="4126094"/>
+            <a:ext cx="530190" cy="307777"/>
+          </a:xfrm>
+          <a:prstGeom prst="rect">
+            <a:avLst/>
+          </a:prstGeom>
+          <a:noFill/>
+        </p:spPr>
+        <p:txBody>
+          <a:bodyPr wrap="square" rtlCol="0">
+            <a:spAutoFit/>
+          </a:bodyPr>
+          <a:lstStyle/>
+          <a:p>
+            <a:r>
+              <a:rPr lang="en-US" sz="1400" dirty="0"/>
+              <a:t>0.4</a:t>
+            </a:r>
+            <a:endParaRPr lang="en-GB" sz="1400" dirty="0"/>
+          </a:p>
+        </p:txBody>
+      </p:sp>
+      <p:sp>
+        <p:nvSpPr>
+          <p:cNvPr id="6" name="TextBox 5">
+            <a:extLst>
+              <a:ext uri="{FF2B5EF4-FFF2-40B4-BE49-F238E27FC236}">
+                <a16:creationId xmlns:a16="http://schemas.microsoft.com/office/drawing/2014/main" id="{4A81AEC8-481C-1664-9DBB-D61ADA7645E0}"/>
+              </a:ext>
+            </a:extLst>
+          </p:cNvPr>
+          <p:cNvSpPr txBox="1"/>
+          <p:nvPr/>
+        </p:nvSpPr>
+        <p:spPr>
+          <a:xfrm rot="16200000">
+            <a:off x="-4927" y="835908"/>
+            <a:ext cx="530190" cy="307777"/>
+          </a:xfrm>
+          <a:prstGeom prst="rect">
+            <a:avLst/>
+          </a:prstGeom>
+          <a:noFill/>
+        </p:spPr>
+        <p:txBody>
+          <a:bodyPr wrap="square" rtlCol="0">
+            <a:spAutoFit/>
+          </a:bodyPr>
+          <a:lstStyle/>
+          <a:p>
+            <a:r>
+              <a:rPr lang="en-US" sz="1400" dirty="0"/>
+              <a:t>0.1</a:t>
+            </a:r>
+            <a:endParaRPr lang="en-GB" sz="1400" dirty="0"/>
+          </a:p>
+        </p:txBody>
+      </p:sp>
     </p:spTree>
     <p:extLst>
       <p:ext uri="{BB962C8B-B14F-4D97-AF65-F5344CB8AC3E}">
@@ -4437,7 +5495,7 @@
           <p:nvPr>
             <p:extLst>
               <p:ext uri="{D42A27DB-BD31-4B8C-83A1-F6EECF244321}">
-                <p14:modId xmlns:p14="http://schemas.microsoft.com/office/powerpoint/2010/main" val="4202576100"/>
+                <p14:modId xmlns:p14="http://schemas.microsoft.com/office/powerpoint/2010/main" val="590342814"/>
               </p:ext>
             </p:extLst>
           </p:nvPr>
@@ -4809,56 +5867,6 @@
           </a:p>
         </p:txBody>
       </p:sp>
-      <p:sp>
-        <p:nvSpPr>
-          <p:cNvPr id="17" name="Rectangle 16">
-            <a:extLst>
-              <a:ext uri="{FF2B5EF4-FFF2-40B4-BE49-F238E27FC236}">
-                <a16:creationId xmlns:a16="http://schemas.microsoft.com/office/drawing/2014/main" id="{12D0147C-5A49-1D68-DA73-A2B3C0725911}"/>
-              </a:ext>
-            </a:extLst>
-          </p:cNvPr>
-          <p:cNvSpPr/>
-          <p:nvPr/>
-        </p:nvSpPr>
-        <p:spPr>
-          <a:xfrm>
-            <a:off x="1658203" y="5684293"/>
-            <a:ext cx="4148919" cy="2702256"/>
-          </a:xfrm>
-          <a:prstGeom prst="rect">
-            <a:avLst/>
-          </a:prstGeom>
-        </p:spPr>
-        <p:style>
-          <a:lnRef idx="2">
-            <a:schemeClr val="accent1">
-              <a:shade val="50000"/>
-            </a:schemeClr>
-          </a:lnRef>
-          <a:fillRef idx="1">
-            <a:schemeClr val="accent1"/>
-          </a:fillRef>
-          <a:effectRef idx="0">
-            <a:schemeClr val="accent1"/>
-          </a:effectRef>
-          <a:fontRef idx="minor">
-            <a:schemeClr val="lt1"/>
-          </a:fontRef>
-        </p:style>
-        <p:txBody>
-          <a:bodyPr rtlCol="0" anchor="ctr"/>
-          <a:lstStyle/>
-          <a:p>
-            <a:pPr algn="ctr"/>
-            <a:r>
-              <a:rPr lang="en-US" dirty="0"/>
-              <a:t>Add here co-localization analysis</a:t>
-            </a:r>
-            <a:endParaRPr lang="en-GB" dirty="0"/>
-          </a:p>
-        </p:txBody>
-      </p:sp>
     </p:spTree>
     <p:extLst>
       <p:ext uri="{BB962C8B-B14F-4D97-AF65-F5344CB8AC3E}">
@@ -4889,30 +5897,109 @@
           <a:chExt cx="0" cy="0"/>
         </a:xfrm>
       </p:grpSpPr>
-      <p:sp>
-        <p:nvSpPr>
-          <p:cNvPr id="2" name="Title 1">
+      <p:pic>
+        <p:nvPicPr>
+          <p:cNvPr id="5" name="Picture 4" descr="Chart&#10;&#10;Description automatically generated">
             <a:extLst>
               <a:ext uri="{FF2B5EF4-FFF2-40B4-BE49-F238E27FC236}">
-                <a16:creationId xmlns:a16="http://schemas.microsoft.com/office/drawing/2014/main" id="{5DB2186C-BA17-F3B0-00C1-E37EE5819C58}"/>
+                <a16:creationId xmlns:a16="http://schemas.microsoft.com/office/drawing/2014/main" id="{E61B8A47-BFC2-EB14-0885-2BAE1B46C078}"/>
               </a:ext>
             </a:extLst>
           </p:cNvPr>
-          <p:cNvSpPr>
-            <a:spLocks noGrp="1"/>
-          </p:cNvSpPr>
-          <p:nvPr>
-            <p:ph type="title"/>
-          </p:nvPr>
-        </p:nvSpPr>
-        <p:spPr/>
-        <p:txBody>
-          <a:bodyPr/>
+          <p:cNvPicPr>
+            <a:picLocks noChangeAspect="1"/>
+          </p:cNvPicPr>
+          <p:nvPr/>
+        </p:nvPicPr>
+        <p:blipFill>
+          <a:blip r:embed="rId3">
+            <a:extLst>
+              <a:ext uri="{28A0092B-C50C-407E-A947-70E740481C1C}">
+                <a14:useLocalDpi xmlns:a14="http://schemas.microsoft.com/office/drawing/2010/main" val="0"/>
+              </a:ext>
+            </a:extLst>
+          </a:blip>
+          <a:stretch>
+            <a:fillRect/>
+          </a:stretch>
+        </p:blipFill>
+        <p:spPr>
+          <a:xfrm>
+            <a:off x="1428750" y="5238951"/>
+            <a:ext cx="4593137" cy="4593137"/>
+          </a:xfrm>
+          <a:prstGeom prst="rect">
+            <a:avLst/>
+          </a:prstGeom>
+        </p:spPr>
+      </p:pic>
+      <p:pic>
+        <p:nvPicPr>
+          <p:cNvPr id="7" name="Picture 6" descr="A picture containing graphical user interface&#10;&#10;Description automatically generated">
+            <a:extLst>
+              <a:ext uri="{FF2B5EF4-FFF2-40B4-BE49-F238E27FC236}">
+                <a16:creationId xmlns:a16="http://schemas.microsoft.com/office/drawing/2014/main" id="{2E4F041B-6C50-5110-85CC-D7AAA3113EAE}"/>
+              </a:ext>
+            </a:extLst>
+          </p:cNvPr>
+          <p:cNvPicPr>
+            <a:picLocks noChangeAspect="1"/>
+          </p:cNvPicPr>
+          <p:nvPr/>
+        </p:nvPicPr>
+        <p:blipFill>
+          <a:blip r:embed="rId4">
+            <a:extLst>
+              <a:ext uri="{28A0092B-C50C-407E-A947-70E740481C1C}">
+                <a14:useLocalDpi xmlns:a14="http://schemas.microsoft.com/office/drawing/2010/main" val="0"/>
+              </a:ext>
+            </a:extLst>
+          </a:blip>
+          <a:stretch>
+            <a:fillRect/>
+          </a:stretch>
+        </p:blipFill>
+        <p:spPr>
+          <a:xfrm>
+            <a:off x="1694880" y="318448"/>
+            <a:ext cx="4060876" cy="4060876"/>
+          </a:xfrm>
+          <a:prstGeom prst="rect">
+            <a:avLst/>
+          </a:prstGeom>
+        </p:spPr>
+      </p:pic>
+      <p:sp>
+        <p:nvSpPr>
+          <p:cNvPr id="2" name="TextBox 1">
+            <a:extLst>
+              <a:ext uri="{FF2B5EF4-FFF2-40B4-BE49-F238E27FC236}">
+                <a16:creationId xmlns:a16="http://schemas.microsoft.com/office/drawing/2014/main" id="{78B540D3-72B3-32EB-09F6-3EE5AB056A2E}"/>
+              </a:ext>
+            </a:extLst>
+          </p:cNvPr>
+          <p:cNvSpPr txBox="1"/>
+          <p:nvPr/>
+        </p:nvSpPr>
+        <p:spPr>
+          <a:xfrm>
+            <a:off x="-863" y="-50884"/>
+            <a:ext cx="6842223" cy="369332"/>
+          </a:xfrm>
+          <a:prstGeom prst="rect">
+            <a:avLst/>
+          </a:prstGeom>
+          <a:noFill/>
+        </p:spPr>
+        <p:txBody>
+          <a:bodyPr wrap="square" rtlCol="0">
+            <a:spAutoFit/>
+          </a:bodyPr>
           <a:lstStyle/>
           <a:p>
             <a:r>
               <a:rPr lang="en-US" dirty="0"/>
-              <a:t>Next steps in this analysis</a:t>
+              <a:t>How many genes per disease contribute to core network?</a:t>
             </a:r>
             <a:endParaRPr lang="en-GB" dirty="0"/>
           </a:p>
@@ -4920,54 +6007,241 @@
       </p:sp>
       <p:sp>
         <p:nvSpPr>
-          <p:cNvPr id="3" name="Content Placeholder 2">
+          <p:cNvPr id="3" name="TextBox 2">
             <a:extLst>
               <a:ext uri="{FF2B5EF4-FFF2-40B4-BE49-F238E27FC236}">
-                <a16:creationId xmlns:a16="http://schemas.microsoft.com/office/drawing/2014/main" id="{0C69F468-19FE-66C1-C137-34AB0664C955}"/>
+                <a16:creationId xmlns:a16="http://schemas.microsoft.com/office/drawing/2014/main" id="{82CFE05B-83AB-2EA7-8752-54FA2F8808DC}"/>
               </a:ext>
             </a:extLst>
           </p:cNvPr>
-          <p:cNvSpPr>
-            <a:spLocks noGrp="1"/>
-          </p:cNvSpPr>
-          <p:nvPr>
-            <p:ph idx="1"/>
-          </p:nvPr>
-        </p:nvSpPr>
-        <p:spPr/>
-        <p:txBody>
-          <a:bodyPr/>
+          <p:cNvSpPr txBox="1"/>
+          <p:nvPr/>
+        </p:nvSpPr>
+        <p:spPr>
+          <a:xfrm>
+            <a:off x="-864" y="4748656"/>
+            <a:ext cx="6842223" cy="369332"/>
+          </a:xfrm>
+          <a:prstGeom prst="rect">
+            <a:avLst/>
+          </a:prstGeom>
+          <a:noFill/>
+        </p:spPr>
+        <p:txBody>
+          <a:bodyPr wrap="square" rtlCol="0">
+            <a:spAutoFit/>
+          </a:bodyPr>
           <a:lstStyle/>
           <a:p>
             <a:r>
               <a:rPr lang="en-US" dirty="0"/>
-              <a:t>Which diseases are represented in the networks across thresholds? </a:t>
-            </a:r>
-          </a:p>
-          <a:p>
-            <a:r>
-              <a:rPr lang="en-US" dirty="0"/>
-              <a:t>What % of nodes correspond to each disease? (visualize as heatmap?)</a:t>
-            </a:r>
-          </a:p>
-          <a:p>
-            <a:r>
-              <a:rPr lang="en-US" dirty="0"/>
-              <a:t>How conserved are these genes across species? </a:t>
-            </a:r>
-          </a:p>
-          <a:p>
-            <a:endParaRPr lang="en-US" dirty="0"/>
-          </a:p>
-          <a:p>
-            <a:endParaRPr lang="en-GB" dirty="0"/>
+              <a:t>How many diseases does each gene have risk for across thresholds</a:t>
+            </a:r>
           </a:p>
         </p:txBody>
       </p:sp>
     </p:spTree>
     <p:extLst>
       <p:ext uri="{BB962C8B-B14F-4D97-AF65-F5344CB8AC3E}">
-        <p14:creationId xmlns:p14="http://schemas.microsoft.com/office/powerpoint/2010/main" val="2855875270"/>
+        <p14:creationId xmlns:p14="http://schemas.microsoft.com/office/powerpoint/2010/main" val="90530274"/>
+      </p:ext>
+    </p:extLst>
+  </p:cSld>
+  <p:clrMapOvr>
+    <a:masterClrMapping/>
+  </p:clrMapOvr>
+</p:sld>
+</file>
+
+<file path=ppt/slides/slide7.xml><?xml version="1.0" encoding="utf-8"?>
+<p:sld xmlns:a="http://schemas.openxmlformats.org/drawingml/2006/main" xmlns:r="http://schemas.openxmlformats.org/officeDocument/2006/relationships" xmlns:p="http://schemas.openxmlformats.org/presentationml/2006/main">
+  <p:cSld>
+    <p:spTree>
+      <p:nvGrpSpPr>
+        <p:cNvPr id="1" name=""/>
+        <p:cNvGrpSpPr/>
+        <p:nvPr/>
+      </p:nvGrpSpPr>
+      <p:grpSpPr>
+        <a:xfrm>
+          <a:off x="0" y="0"/>
+          <a:ext cx="0" cy="0"/>
+          <a:chOff x="0" y="0"/>
+          <a:chExt cx="0" cy="0"/>
+        </a:xfrm>
+      </p:grpSpPr>
+      <p:pic>
+        <p:nvPicPr>
+          <p:cNvPr id="5" name="Picture 4" descr="Chart&#10;&#10;Description automatically generated">
+            <a:extLst>
+              <a:ext uri="{FF2B5EF4-FFF2-40B4-BE49-F238E27FC236}">
+                <a16:creationId xmlns:a16="http://schemas.microsoft.com/office/drawing/2014/main" id="{24E9D9DF-0187-D76C-B559-39A417E7A996}"/>
+              </a:ext>
+            </a:extLst>
+          </p:cNvPr>
+          <p:cNvPicPr>
+            <a:picLocks noChangeAspect="1"/>
+          </p:cNvPicPr>
+          <p:nvPr/>
+        </p:nvPicPr>
+        <p:blipFill>
+          <a:blip r:embed="rId2">
+            <a:extLst>
+              <a:ext uri="{28A0092B-C50C-407E-A947-70E740481C1C}">
+                <a14:useLocalDpi xmlns:a14="http://schemas.microsoft.com/office/drawing/2010/main" val="0"/>
+              </a:ext>
+            </a:extLst>
+          </a:blip>
+          <a:stretch>
+            <a:fillRect/>
+          </a:stretch>
+        </p:blipFill>
+        <p:spPr>
+          <a:xfrm>
+            <a:off x="814754" y="0"/>
+            <a:ext cx="5228492" cy="5228492"/>
+          </a:xfrm>
+          <a:prstGeom prst="rect">
+            <a:avLst/>
+          </a:prstGeom>
+        </p:spPr>
+      </p:pic>
+      <p:pic>
+        <p:nvPicPr>
+          <p:cNvPr id="6" name="Picture 5" descr="Graphical user interface, chart&#10;&#10;Description automatically generated">
+            <a:extLst>
+              <a:ext uri="{FF2B5EF4-FFF2-40B4-BE49-F238E27FC236}">
+                <a16:creationId xmlns:a16="http://schemas.microsoft.com/office/drawing/2014/main" id="{C8B1BE7B-8A26-EF52-2D66-E1BFE321DB53}"/>
+              </a:ext>
+            </a:extLst>
+          </p:cNvPr>
+          <p:cNvPicPr>
+            <a:picLocks noChangeAspect="1"/>
+          </p:cNvPicPr>
+          <p:nvPr/>
+        </p:nvPicPr>
+        <p:blipFill>
+          <a:blip r:embed="rId3">
+            <a:extLst>
+              <a:ext uri="{28A0092B-C50C-407E-A947-70E740481C1C}">
+                <a14:useLocalDpi xmlns:a14="http://schemas.microsoft.com/office/drawing/2010/main" val="0"/>
+              </a:ext>
+            </a:extLst>
+          </a:blip>
+          <a:stretch>
+            <a:fillRect/>
+          </a:stretch>
+        </p:blipFill>
+        <p:spPr>
+          <a:xfrm>
+            <a:off x="1014046" y="5076092"/>
+            <a:ext cx="4829908" cy="4829908"/>
+          </a:xfrm>
+          <a:prstGeom prst="rect">
+            <a:avLst/>
+          </a:prstGeom>
+        </p:spPr>
+      </p:pic>
+    </p:spTree>
+    <p:extLst>
+      <p:ext uri="{BB962C8B-B14F-4D97-AF65-F5344CB8AC3E}">
+        <p14:creationId xmlns:p14="http://schemas.microsoft.com/office/powerpoint/2010/main" val="1061196177"/>
+      </p:ext>
+    </p:extLst>
+  </p:cSld>
+  <p:clrMapOvr>
+    <a:masterClrMapping/>
+  </p:clrMapOvr>
+</p:sld>
+</file>
+
+<file path=ppt/slides/slide8.xml><?xml version="1.0" encoding="utf-8"?>
+<p:sld xmlns:a="http://schemas.openxmlformats.org/drawingml/2006/main" xmlns:r="http://schemas.openxmlformats.org/officeDocument/2006/relationships" xmlns:p="http://schemas.openxmlformats.org/presentationml/2006/main">
+  <p:cSld>
+    <p:spTree>
+      <p:nvGrpSpPr>
+        <p:cNvPr id="1" name=""/>
+        <p:cNvGrpSpPr/>
+        <p:nvPr/>
+      </p:nvGrpSpPr>
+      <p:grpSpPr>
+        <a:xfrm>
+          <a:off x="0" y="0"/>
+          <a:ext cx="0" cy="0"/>
+          <a:chOff x="0" y="0"/>
+          <a:chExt cx="0" cy="0"/>
+        </a:xfrm>
+      </p:grpSpPr>
+      <p:pic>
+        <p:nvPicPr>
+          <p:cNvPr id="7" name="Picture 6" descr="A picture containing timeline&#10;&#10;Description automatically generated">
+            <a:extLst>
+              <a:ext uri="{FF2B5EF4-FFF2-40B4-BE49-F238E27FC236}">
+                <a16:creationId xmlns:a16="http://schemas.microsoft.com/office/drawing/2014/main" id="{39BD7D4F-AD83-C88C-4E02-C0F1311CF403}"/>
+              </a:ext>
+            </a:extLst>
+          </p:cNvPr>
+          <p:cNvPicPr>
+            <a:picLocks noChangeAspect="1"/>
+          </p:cNvPicPr>
+          <p:nvPr/>
+        </p:nvPicPr>
+        <p:blipFill>
+          <a:blip r:embed="rId2">
+            <a:extLst>
+              <a:ext uri="{28A0092B-C50C-407E-A947-70E740481C1C}">
+                <a14:useLocalDpi xmlns:a14="http://schemas.microsoft.com/office/drawing/2010/main" val="0"/>
+              </a:ext>
+            </a:extLst>
+          </a:blip>
+          <a:stretch>
+            <a:fillRect/>
+          </a:stretch>
+        </p:blipFill>
+        <p:spPr>
+          <a:xfrm>
+            <a:off x="369277" y="-1954"/>
+            <a:ext cx="6119446" cy="6119446"/>
+          </a:xfrm>
+          <a:prstGeom prst="rect">
+            <a:avLst/>
+          </a:prstGeom>
+        </p:spPr>
+      </p:pic>
+    </p:spTree>
+    <p:extLst>
+      <p:ext uri="{BB962C8B-B14F-4D97-AF65-F5344CB8AC3E}">
+        <p14:creationId xmlns:p14="http://schemas.microsoft.com/office/powerpoint/2010/main" val="1395851141"/>
+      </p:ext>
+    </p:extLst>
+  </p:cSld>
+  <p:clrMapOvr>
+    <a:masterClrMapping/>
+  </p:clrMapOvr>
+</p:sld>
+</file>
+
+<file path=ppt/slides/slide9.xml><?xml version="1.0" encoding="utf-8"?>
+<p:sld xmlns:a="http://schemas.openxmlformats.org/drawingml/2006/main" xmlns:r="http://schemas.openxmlformats.org/officeDocument/2006/relationships" xmlns:p="http://schemas.openxmlformats.org/presentationml/2006/main">
+  <p:cSld>
+    <p:spTree>
+      <p:nvGrpSpPr>
+        <p:cNvPr id="1" name=""/>
+        <p:cNvGrpSpPr/>
+        <p:nvPr/>
+      </p:nvGrpSpPr>
+      <p:grpSpPr>
+        <a:xfrm>
+          <a:off x="0" y="0"/>
+          <a:ext cx="0" cy="0"/>
+          <a:chOff x="0" y="0"/>
+          <a:chExt cx="0" cy="0"/>
+        </a:xfrm>
+      </p:grpSpPr>
+    </p:spTree>
+    <p:extLst>
+      <p:ext uri="{BB962C8B-B14F-4D97-AF65-F5344CB8AC3E}">
+        <p14:creationId xmlns:p14="http://schemas.microsoft.com/office/powerpoint/2010/main" val="2819563169"/>
       </p:ext>
     </p:extLst>
   </p:cSld>

--- a/plots/Summary_project.pptx
+++ b/plots/Summary_project.pptx
@@ -206,7 +206,7 @@
           <a:p>
             <a:fld id="{182A26AC-4CFD-4C4B-BCCD-B83F22EC439A}" type="datetimeFigureOut">
               <a:rPr lang="en-GB" smtClean="0"/>
-              <a:t>20/04/2023</a:t>
+              <a:t>21/04/2023</a:t>
             </a:fld>
             <a:endParaRPr lang="en-GB"/>
           </a:p>
@@ -1193,7 +1193,7 @@
           <a:p>
             <a:fld id="{6A9331EC-8641-4C7D-B8F2-52FC36CA7DB7}" type="datetimeFigureOut">
               <a:rPr lang="en-GB" smtClean="0"/>
-              <a:t>20/04/2023</a:t>
+              <a:t>21/04/2023</a:t>
             </a:fld>
             <a:endParaRPr lang="en-GB"/>
           </a:p>
@@ -1363,7 +1363,7 @@
           <a:p>
             <a:fld id="{6A9331EC-8641-4C7D-B8F2-52FC36CA7DB7}" type="datetimeFigureOut">
               <a:rPr lang="en-GB" smtClean="0"/>
-              <a:t>20/04/2023</a:t>
+              <a:t>21/04/2023</a:t>
             </a:fld>
             <a:endParaRPr lang="en-GB"/>
           </a:p>
@@ -1543,7 +1543,7 @@
           <a:p>
             <a:fld id="{6A9331EC-8641-4C7D-B8F2-52FC36CA7DB7}" type="datetimeFigureOut">
               <a:rPr lang="en-GB" smtClean="0"/>
-              <a:t>20/04/2023</a:t>
+              <a:t>21/04/2023</a:t>
             </a:fld>
             <a:endParaRPr lang="en-GB"/>
           </a:p>
@@ -1713,7 +1713,7 @@
           <a:p>
             <a:fld id="{6A9331EC-8641-4C7D-B8F2-52FC36CA7DB7}" type="datetimeFigureOut">
               <a:rPr lang="en-GB" smtClean="0"/>
-              <a:t>20/04/2023</a:t>
+              <a:t>21/04/2023</a:t>
             </a:fld>
             <a:endParaRPr lang="en-GB"/>
           </a:p>
@@ -1957,7 +1957,7 @@
           <a:p>
             <a:fld id="{6A9331EC-8641-4C7D-B8F2-52FC36CA7DB7}" type="datetimeFigureOut">
               <a:rPr lang="en-GB" smtClean="0"/>
-              <a:t>20/04/2023</a:t>
+              <a:t>21/04/2023</a:t>
             </a:fld>
             <a:endParaRPr lang="en-GB"/>
           </a:p>
@@ -2189,7 +2189,7 @@
           <a:p>
             <a:fld id="{6A9331EC-8641-4C7D-B8F2-52FC36CA7DB7}" type="datetimeFigureOut">
               <a:rPr lang="en-GB" smtClean="0"/>
-              <a:t>20/04/2023</a:t>
+              <a:t>21/04/2023</a:t>
             </a:fld>
             <a:endParaRPr lang="en-GB"/>
           </a:p>
@@ -2556,7 +2556,7 @@
           <a:p>
             <a:fld id="{6A9331EC-8641-4C7D-B8F2-52FC36CA7DB7}" type="datetimeFigureOut">
               <a:rPr lang="en-GB" smtClean="0"/>
-              <a:t>20/04/2023</a:t>
+              <a:t>21/04/2023</a:t>
             </a:fld>
             <a:endParaRPr lang="en-GB"/>
           </a:p>
@@ -2674,7 +2674,7 @@
           <a:p>
             <a:fld id="{6A9331EC-8641-4C7D-B8F2-52FC36CA7DB7}" type="datetimeFigureOut">
               <a:rPr lang="en-GB" smtClean="0"/>
-              <a:t>20/04/2023</a:t>
+              <a:t>21/04/2023</a:t>
             </a:fld>
             <a:endParaRPr lang="en-GB"/>
           </a:p>
@@ -2769,7 +2769,7 @@
           <a:p>
             <a:fld id="{6A9331EC-8641-4C7D-B8F2-52FC36CA7DB7}" type="datetimeFigureOut">
               <a:rPr lang="en-GB" smtClean="0"/>
-              <a:t>20/04/2023</a:t>
+              <a:t>21/04/2023</a:t>
             </a:fld>
             <a:endParaRPr lang="en-GB"/>
           </a:p>
@@ -3046,7 +3046,7 @@
           <a:p>
             <a:fld id="{6A9331EC-8641-4C7D-B8F2-52FC36CA7DB7}" type="datetimeFigureOut">
               <a:rPr lang="en-GB" smtClean="0"/>
-              <a:t>20/04/2023</a:t>
+              <a:t>21/04/2023</a:t>
             </a:fld>
             <a:endParaRPr lang="en-GB"/>
           </a:p>
@@ -3303,7 +3303,7 @@
           <a:p>
             <a:fld id="{6A9331EC-8641-4C7D-B8F2-52FC36CA7DB7}" type="datetimeFigureOut">
               <a:rPr lang="en-GB" smtClean="0"/>
-              <a:t>20/04/2023</a:t>
+              <a:t>21/04/2023</a:t>
             </a:fld>
             <a:endParaRPr lang="en-GB"/>
           </a:p>
@@ -3516,7 +3516,7 @@
           <a:p>
             <a:fld id="{6A9331EC-8641-4C7D-B8F2-52FC36CA7DB7}" type="datetimeFigureOut">
               <a:rPr lang="en-GB" smtClean="0"/>
-              <a:t>20/04/2023</a:t>
+              <a:t>21/04/2023</a:t>
             </a:fld>
             <a:endParaRPr lang="en-GB"/>
           </a:p>

--- a/plots/Summary_project.pptx
+++ b/plots/Summary_project.pptx
@@ -206,7 +206,7 @@
           <a:p>
             <a:fld id="{182A26AC-4CFD-4C4B-BCCD-B83F22EC439A}" type="datetimeFigureOut">
               <a:rPr lang="en-GB" smtClean="0"/>
-              <a:t>21/04/2023</a:t>
+              <a:t>21/06/2023</a:t>
             </a:fld>
             <a:endParaRPr lang="en-GB"/>
           </a:p>
@@ -1193,7 +1193,7 @@
           <a:p>
             <a:fld id="{6A9331EC-8641-4C7D-B8F2-52FC36CA7DB7}" type="datetimeFigureOut">
               <a:rPr lang="en-GB" smtClean="0"/>
-              <a:t>21/04/2023</a:t>
+              <a:t>21/06/2023</a:t>
             </a:fld>
             <a:endParaRPr lang="en-GB"/>
           </a:p>
@@ -1363,7 +1363,7 @@
           <a:p>
             <a:fld id="{6A9331EC-8641-4C7D-B8F2-52FC36CA7DB7}" type="datetimeFigureOut">
               <a:rPr lang="en-GB" smtClean="0"/>
-              <a:t>21/04/2023</a:t>
+              <a:t>21/06/2023</a:t>
             </a:fld>
             <a:endParaRPr lang="en-GB"/>
           </a:p>
@@ -1543,7 +1543,7 @@
           <a:p>
             <a:fld id="{6A9331EC-8641-4C7D-B8F2-52FC36CA7DB7}" type="datetimeFigureOut">
               <a:rPr lang="en-GB" smtClean="0"/>
-              <a:t>21/04/2023</a:t>
+              <a:t>21/06/2023</a:t>
             </a:fld>
             <a:endParaRPr lang="en-GB"/>
           </a:p>
@@ -1713,7 +1713,7 @@
           <a:p>
             <a:fld id="{6A9331EC-8641-4C7D-B8F2-52FC36CA7DB7}" type="datetimeFigureOut">
               <a:rPr lang="en-GB" smtClean="0"/>
-              <a:t>21/04/2023</a:t>
+              <a:t>21/06/2023</a:t>
             </a:fld>
             <a:endParaRPr lang="en-GB"/>
           </a:p>
@@ -1957,7 +1957,7 @@
           <a:p>
             <a:fld id="{6A9331EC-8641-4C7D-B8F2-52FC36CA7DB7}" type="datetimeFigureOut">
               <a:rPr lang="en-GB" smtClean="0"/>
-              <a:t>21/04/2023</a:t>
+              <a:t>21/06/2023</a:t>
             </a:fld>
             <a:endParaRPr lang="en-GB"/>
           </a:p>
@@ -2189,7 +2189,7 @@
           <a:p>
             <a:fld id="{6A9331EC-8641-4C7D-B8F2-52FC36CA7DB7}" type="datetimeFigureOut">
               <a:rPr lang="en-GB" smtClean="0"/>
-              <a:t>21/04/2023</a:t>
+              <a:t>21/06/2023</a:t>
             </a:fld>
             <a:endParaRPr lang="en-GB"/>
           </a:p>
@@ -2556,7 +2556,7 @@
           <a:p>
             <a:fld id="{6A9331EC-8641-4C7D-B8F2-52FC36CA7DB7}" type="datetimeFigureOut">
               <a:rPr lang="en-GB" smtClean="0"/>
-              <a:t>21/04/2023</a:t>
+              <a:t>21/06/2023</a:t>
             </a:fld>
             <a:endParaRPr lang="en-GB"/>
           </a:p>
@@ -2674,7 +2674,7 @@
           <a:p>
             <a:fld id="{6A9331EC-8641-4C7D-B8F2-52FC36CA7DB7}" type="datetimeFigureOut">
               <a:rPr lang="en-GB" smtClean="0"/>
-              <a:t>21/04/2023</a:t>
+              <a:t>21/06/2023</a:t>
             </a:fld>
             <a:endParaRPr lang="en-GB"/>
           </a:p>
@@ -2769,7 +2769,7 @@
           <a:p>
             <a:fld id="{6A9331EC-8641-4C7D-B8F2-52FC36CA7DB7}" type="datetimeFigureOut">
               <a:rPr lang="en-GB" smtClean="0"/>
-              <a:t>21/04/2023</a:t>
+              <a:t>21/06/2023</a:t>
             </a:fld>
             <a:endParaRPr lang="en-GB"/>
           </a:p>
@@ -3046,7 +3046,7 @@
           <a:p>
             <a:fld id="{6A9331EC-8641-4C7D-B8F2-52FC36CA7DB7}" type="datetimeFigureOut">
               <a:rPr lang="en-GB" smtClean="0"/>
-              <a:t>21/04/2023</a:t>
+              <a:t>21/06/2023</a:t>
             </a:fld>
             <a:endParaRPr lang="en-GB"/>
           </a:p>
@@ -3303,7 +3303,7 @@
           <a:p>
             <a:fld id="{6A9331EC-8641-4C7D-B8F2-52FC36CA7DB7}" type="datetimeFigureOut">
               <a:rPr lang="en-GB" smtClean="0"/>
-              <a:t>21/04/2023</a:t>
+              <a:t>21/06/2023</a:t>
             </a:fld>
             <a:endParaRPr lang="en-GB"/>
           </a:p>
@@ -3516,7 +3516,7 @@
           <a:p>
             <a:fld id="{6A9331EC-8641-4C7D-B8F2-52FC36CA7DB7}" type="datetimeFigureOut">
               <a:rPr lang="en-GB" smtClean="0"/>
-              <a:t>21/04/2023</a:t>
+              <a:t>21/06/2023</a:t>
             </a:fld>
             <a:endParaRPr lang="en-GB"/>
           </a:p>
